--- a/卒検発表(numa).pptx
+++ b/卒検発表(numa).pptx
@@ -7,13 +7,14 @@
   <p:sldIdLst>
     <p:sldId id="256" r:id="rId2"/>
     <p:sldId id="257" r:id="rId3"/>
-    <p:sldId id="258" r:id="rId4"/>
-    <p:sldId id="259" r:id="rId5"/>
-    <p:sldId id="264" r:id="rId6"/>
-    <p:sldId id="260" r:id="rId7"/>
-    <p:sldId id="261" r:id="rId8"/>
-    <p:sldId id="262" r:id="rId9"/>
-    <p:sldId id="263" r:id="rId10"/>
+    <p:sldId id="265" r:id="rId4"/>
+    <p:sldId id="258" r:id="rId5"/>
+    <p:sldId id="259" r:id="rId6"/>
+    <p:sldId id="264" r:id="rId7"/>
+    <p:sldId id="260" r:id="rId8"/>
+    <p:sldId id="261" r:id="rId9"/>
+    <p:sldId id="262" r:id="rId10"/>
+    <p:sldId id="263" r:id="rId11"/>
   </p:sldIdLst>
   <p:sldSz cx="9144000" cy="5143500" type="screen16x9"/>
   <p:notesSz cx="6858000" cy="9144000"/>
@@ -112,6 +113,11 @@
       </a:defRPr>
     </a:lvl9pPr>
   </p:defaultTextStyle>
+  <p:extLst>
+    <p:ext uri="{EFAFB233-063F-42B5-8137-9DF3F51BA10A}">
+      <p15:sldGuideLst xmlns:p15="http://schemas.microsoft.com/office/powerpoint/2012/main"/>
+    </p:ext>
+  </p:extLst>
 </p:presentation>
 </file>
 
@@ -246,7 +252,7 @@
           <a:p>
             <a:fld id="{5F0039AA-4004-5F44-86AE-19014EB15548}" type="datetimeFigureOut">
               <a:rPr kumimoji="1" lang="ja-JP" altLang="en-US" smtClean="0"/>
-              <a:t>2019/1/10</a:t>
+              <a:t>2019/1/11</a:t>
             </a:fld>
             <a:endParaRPr kumimoji="1" lang="ja-JP" altLang="en-US"/>
           </a:p>
@@ -424,7 +430,7 @@
           <a:p>
             <a:fld id="{5F0039AA-4004-5F44-86AE-19014EB15548}" type="datetimeFigureOut">
               <a:rPr kumimoji="1" lang="ja-JP" altLang="en-US" smtClean="0"/>
-              <a:t>2019/1/10</a:t>
+              <a:t>2019/1/11</a:t>
             </a:fld>
             <a:endParaRPr kumimoji="1" lang="ja-JP" altLang="en-US"/>
           </a:p>
@@ -612,7 +618,7 @@
           <a:p>
             <a:fld id="{5F0039AA-4004-5F44-86AE-19014EB15548}" type="datetimeFigureOut">
               <a:rPr kumimoji="1" lang="ja-JP" altLang="en-US" smtClean="0"/>
-              <a:t>2019/1/10</a:t>
+              <a:t>2019/1/11</a:t>
             </a:fld>
             <a:endParaRPr kumimoji="1" lang="ja-JP" altLang="en-US"/>
           </a:p>
@@ -790,7 +796,7 @@
           <a:p>
             <a:fld id="{5F0039AA-4004-5F44-86AE-19014EB15548}" type="datetimeFigureOut">
               <a:rPr kumimoji="1" lang="ja-JP" altLang="en-US" smtClean="0"/>
-              <a:t>2019/1/10</a:t>
+              <a:t>2019/1/11</a:t>
             </a:fld>
             <a:endParaRPr kumimoji="1" lang="ja-JP" altLang="en-US"/>
           </a:p>
@@ -1073,7 +1079,7 @@
           <a:p>
             <a:fld id="{5F0039AA-4004-5F44-86AE-19014EB15548}" type="datetimeFigureOut">
               <a:rPr kumimoji="1" lang="ja-JP" altLang="en-US" smtClean="0"/>
-              <a:t>2019/1/10</a:t>
+              <a:t>2019/1/11</a:t>
             </a:fld>
             <a:endParaRPr kumimoji="1" lang="ja-JP" altLang="en-US"/>
           </a:p>
@@ -1321,7 +1327,7 @@
           <a:p>
             <a:fld id="{5F0039AA-4004-5F44-86AE-19014EB15548}" type="datetimeFigureOut">
               <a:rPr kumimoji="1" lang="ja-JP" altLang="en-US" smtClean="0"/>
-              <a:t>2019/1/10</a:t>
+              <a:t>2019/1/11</a:t>
             </a:fld>
             <a:endParaRPr kumimoji="1" lang="ja-JP" altLang="en-US"/>
           </a:p>
@@ -1778,7 +1784,7 @@
           <a:p>
             <a:fld id="{5F0039AA-4004-5F44-86AE-19014EB15548}" type="datetimeFigureOut">
               <a:rPr kumimoji="1" lang="ja-JP" altLang="en-US" smtClean="0"/>
-              <a:t>2019/1/10</a:t>
+              <a:t>2019/1/11</a:t>
             </a:fld>
             <a:endParaRPr kumimoji="1" lang="ja-JP" altLang="en-US"/>
           </a:p>
@@ -1896,7 +1902,7 @@
           <a:p>
             <a:fld id="{5F0039AA-4004-5F44-86AE-19014EB15548}" type="datetimeFigureOut">
               <a:rPr kumimoji="1" lang="ja-JP" altLang="en-US" smtClean="0"/>
-              <a:t>2019/1/10</a:t>
+              <a:t>2019/1/11</a:t>
             </a:fld>
             <a:endParaRPr kumimoji="1" lang="ja-JP" altLang="en-US"/>
           </a:p>
@@ -1991,7 +1997,7 @@
           <a:p>
             <a:fld id="{5F0039AA-4004-5F44-86AE-19014EB15548}" type="datetimeFigureOut">
               <a:rPr kumimoji="1" lang="ja-JP" altLang="en-US" smtClean="0"/>
-              <a:t>2019/1/10</a:t>
+              <a:t>2019/1/11</a:t>
             </a:fld>
             <a:endParaRPr kumimoji="1" lang="ja-JP" altLang="en-US"/>
           </a:p>
@@ -2313,7 +2319,7 @@
           <a:p>
             <a:fld id="{5F0039AA-4004-5F44-86AE-19014EB15548}" type="datetimeFigureOut">
               <a:rPr kumimoji="1" lang="ja-JP" altLang="en-US" smtClean="0"/>
-              <a:t>2019/1/10</a:t>
+              <a:t>2019/1/11</a:t>
             </a:fld>
             <a:endParaRPr kumimoji="1" lang="ja-JP" altLang="en-US"/>
           </a:p>
@@ -2607,7 +2613,7 @@
           <a:p>
             <a:fld id="{5F0039AA-4004-5F44-86AE-19014EB15548}" type="datetimeFigureOut">
               <a:rPr kumimoji="1" lang="ja-JP" altLang="en-US" smtClean="0"/>
-              <a:t>2019/1/10</a:t>
+              <a:t>2019/1/11</a:t>
             </a:fld>
             <a:endParaRPr kumimoji="1" lang="ja-JP" altLang="en-US"/>
           </a:p>
@@ -2828,7 +2834,7 @@
           <a:p>
             <a:fld id="{5F0039AA-4004-5F44-86AE-19014EB15548}" type="datetimeFigureOut">
               <a:rPr kumimoji="1" lang="ja-JP" altLang="en-US" smtClean="0"/>
-              <a:t>2019/1/10</a:t>
+              <a:t>2019/1/11</a:t>
             </a:fld>
             <a:endParaRPr kumimoji="1" lang="ja-JP" altLang="en-US"/>
           </a:p>
@@ -3328,6 +3334,89 @@
 </p:sld>
 </file>
 
+<file path=ppt/slides/slide10.xml><?xml version="1.0" encoding="utf-8"?>
+<p:sld xmlns:a="http://schemas.openxmlformats.org/drawingml/2006/main" xmlns:r="http://schemas.openxmlformats.org/officeDocument/2006/relationships" xmlns:p="http://schemas.openxmlformats.org/presentationml/2006/main">
+  <p:cSld>
+    <p:spTree>
+      <p:nvGrpSpPr>
+        <p:cNvPr id="1" name=""/>
+        <p:cNvGrpSpPr/>
+        <p:nvPr/>
+      </p:nvGrpSpPr>
+      <p:grpSpPr>
+        <a:xfrm>
+          <a:off x="0" y="0"/>
+          <a:ext cx="0" cy="0"/>
+          <a:chOff x="0" y="0"/>
+          <a:chExt cx="0" cy="0"/>
+        </a:xfrm>
+      </p:grpSpPr>
+      <p:sp>
+        <p:nvSpPr>
+          <p:cNvPr id="2" name="タイトル 1">
+            <a:extLst>
+              <a:ext uri="{FF2B5EF4-FFF2-40B4-BE49-F238E27FC236}">
+                <a16:creationId xmlns:a16="http://schemas.microsoft.com/office/drawing/2014/main" id="{727964B9-F841-CE4A-9464-9A3EBC6C2DD7}"/>
+              </a:ext>
+            </a:extLst>
+          </p:cNvPr>
+          <p:cNvSpPr>
+            <a:spLocks noGrp="1"/>
+          </p:cNvSpPr>
+          <p:nvPr>
+            <p:ph type="title"/>
+          </p:nvPr>
+        </p:nvSpPr>
+        <p:spPr/>
+        <p:txBody>
+          <a:bodyPr/>
+          <a:lstStyle/>
+          <a:p>
+            <a:r>
+              <a:rPr kumimoji="1" lang="ja-JP" altLang="en-US"/>
+              <a:t>課題</a:t>
+            </a:r>
+          </a:p>
+        </p:txBody>
+      </p:sp>
+      <p:sp>
+        <p:nvSpPr>
+          <p:cNvPr id="3" name="コンテンツ プレースホルダー 2">
+            <a:extLst>
+              <a:ext uri="{FF2B5EF4-FFF2-40B4-BE49-F238E27FC236}">
+                <a16:creationId xmlns:a16="http://schemas.microsoft.com/office/drawing/2014/main" id="{D17C71C4-D57D-4949-95C6-A7398BD521B9}"/>
+              </a:ext>
+            </a:extLst>
+          </p:cNvPr>
+          <p:cNvSpPr>
+            <a:spLocks noGrp="1"/>
+          </p:cNvSpPr>
+          <p:nvPr>
+            <p:ph idx="1"/>
+          </p:nvPr>
+        </p:nvSpPr>
+        <p:spPr/>
+        <p:txBody>
+          <a:bodyPr/>
+          <a:lstStyle/>
+          <a:p>
+            <a:endParaRPr kumimoji="1" lang="ja-JP" altLang="en-US"/>
+          </a:p>
+        </p:txBody>
+      </p:sp>
+    </p:spTree>
+    <p:extLst>
+      <p:ext uri="{BB962C8B-B14F-4D97-AF65-F5344CB8AC3E}">
+        <p14:creationId xmlns:p14="http://schemas.microsoft.com/office/powerpoint/2010/main" val="2577130232"/>
+      </p:ext>
+    </p:extLst>
+  </p:cSld>
+  <p:clrMapOvr>
+    <a:masterClrMapping/>
+  </p:clrMapOvr>
+</p:sld>
+</file>
+
 <file path=ppt/slides/slide2.xml><?xml version="1.0" encoding="utf-8"?>
 <p:sld xmlns:a="http://schemas.openxmlformats.org/drawingml/2006/main" xmlns:r="http://schemas.openxmlformats.org/officeDocument/2006/relationships" xmlns:p="http://schemas.openxmlformats.org/presentationml/2006/main">
   <p:cSld>
@@ -3517,7 +3606,7 @@
           <p:cNvPr id="2" name="タイトル 1">
             <a:extLst>
               <a:ext uri="{FF2B5EF4-FFF2-40B4-BE49-F238E27FC236}">
-                <a16:creationId xmlns:a16="http://schemas.microsoft.com/office/drawing/2014/main" id="{4BF1C496-3DF3-1F47-9BE8-7911E99CDD18}"/>
+                <a16:creationId xmlns:a16="http://schemas.microsoft.com/office/drawing/2014/main" id="{D1DD254F-1CBA-7240-B3CA-10C61A0F8BE4}"/>
               </a:ext>
             </a:extLst>
           </p:cNvPr>
@@ -3545,7 +3634,7 @@
           <p:cNvPr id="3" name="コンテンツ プレースホルダー 2">
             <a:extLst>
               <a:ext uri="{FF2B5EF4-FFF2-40B4-BE49-F238E27FC236}">
-                <a16:creationId xmlns:a16="http://schemas.microsoft.com/office/drawing/2014/main" id="{1D9CCF7A-17CF-1D43-8D32-B51F5D0E63FA}"/>
+                <a16:creationId xmlns:a16="http://schemas.microsoft.com/office/drawing/2014/main" id="{481ACA9A-7FF8-E549-BA72-59DD185A85EF}"/>
               </a:ext>
             </a:extLst>
           </p:cNvPr>
@@ -3561,6 +3650,84 @@
           <a:bodyPr/>
           <a:lstStyle/>
           <a:p>
+            <a:pPr marL="0" indent="0">
+              <a:buNone/>
+            </a:pPr>
+            <a:r>
+              <a:rPr kumimoji="1" lang="ja-JP" altLang="en-US"/>
+              <a:t>北澤ら</a:t>
+            </a:r>
+            <a:r>
+              <a:rPr kumimoji="1" lang="en-US" altLang="ja-JP" dirty="0"/>
+              <a:t>(2012)</a:t>
+            </a:r>
+          </a:p>
+          <a:p>
+            <a:pPr marL="0" indent="0">
+              <a:buNone/>
+            </a:pPr>
+            <a:r>
+              <a:rPr kumimoji="1" lang="en-US" altLang="ja-JP" dirty="0"/>
+              <a:t>	</a:t>
+            </a:r>
+            <a:r>
+              <a:rPr kumimoji="1" lang="ja-JP" altLang="en-US"/>
+              <a:t>仮想マシン上でネットワークシミュレーションを行う</a:t>
+            </a:r>
+            <a:endParaRPr kumimoji="1" lang="en-US" altLang="ja-JP" dirty="0"/>
+          </a:p>
+          <a:p>
+            <a:pPr marL="0" indent="0">
+              <a:buNone/>
+            </a:pPr>
+            <a:r>
+              <a:rPr lang="en-US" altLang="ja-JP" dirty="0"/>
+              <a:t>		</a:t>
+            </a:r>
+            <a:r>
+              <a:rPr lang="ja-JP" altLang="en-US"/>
+              <a:t>ー共同実験用の仮想ネットワークを構築</a:t>
+            </a:r>
+            <a:endParaRPr lang="en-US" altLang="ja-JP" dirty="0"/>
+          </a:p>
+          <a:p>
+            <a:pPr marL="0" indent="0">
+              <a:buNone/>
+            </a:pPr>
+            <a:endParaRPr kumimoji="1" lang="en-US" altLang="ja-JP" dirty="0"/>
+          </a:p>
+          <a:p>
+            <a:pPr marL="0" indent="0">
+              <a:buNone/>
+            </a:pPr>
+            <a:r>
+              <a:rPr kumimoji="1" lang="en-US" altLang="ja-JP" dirty="0"/>
+              <a:t>	Web</a:t>
+            </a:r>
+            <a:r>
+              <a:rPr kumimoji="1" lang="ja-JP" altLang="en-US"/>
+              <a:t>ブラウザで動作する構築演習支援システム</a:t>
+            </a:r>
+            <a:endParaRPr lang="en-US" altLang="ja-JP" dirty="0"/>
+          </a:p>
+          <a:p>
+            <a:pPr marL="0" indent="0">
+              <a:buNone/>
+            </a:pPr>
+            <a:r>
+              <a:rPr kumimoji="1" lang="en-US" altLang="ja-JP" dirty="0"/>
+              <a:t>	</a:t>
+            </a:r>
+            <a:r>
+              <a:rPr kumimoji="1" lang="ja-JP" altLang="en-US"/>
+              <a:t>学習後の評価を手動で行う必要がある</a:t>
+            </a:r>
+            <a:endParaRPr kumimoji="1" lang="en-US" altLang="ja-JP" dirty="0"/>
+          </a:p>
+          <a:p>
+            <a:pPr marL="342900" lvl="1" indent="0">
+              <a:buNone/>
+            </a:pPr>
             <a:endParaRPr kumimoji="1" lang="ja-JP" altLang="en-US"/>
           </a:p>
         </p:txBody>
@@ -3568,7 +3735,7 @@
     </p:spTree>
     <p:extLst>
       <p:ext uri="{BB962C8B-B14F-4D97-AF65-F5344CB8AC3E}">
-        <p14:creationId xmlns:p14="http://schemas.microsoft.com/office/powerpoint/2010/main" val="847429685"/>
+        <p14:creationId xmlns:p14="http://schemas.microsoft.com/office/powerpoint/2010/main" val="766452611"/>
       </p:ext>
     </p:extLst>
   </p:cSld>
@@ -3600,7 +3767,7 @@
           <p:cNvPr id="2" name="タイトル 1">
             <a:extLst>
               <a:ext uri="{FF2B5EF4-FFF2-40B4-BE49-F238E27FC236}">
-                <a16:creationId xmlns:a16="http://schemas.microsoft.com/office/drawing/2014/main" id="{2322C134-9F23-A948-8BC5-956C9EC695A2}"/>
+                <a16:creationId xmlns:a16="http://schemas.microsoft.com/office/drawing/2014/main" id="{4BF1C496-3DF3-1F47-9BE8-7911E99CDD18}"/>
               </a:ext>
             </a:extLst>
           </p:cNvPr>
@@ -3618,7 +3785,7 @@
           <a:p>
             <a:r>
               <a:rPr kumimoji="1" lang="ja-JP" altLang="en-US"/>
-              <a:t>研究背景</a:t>
+              <a:t>先行研究</a:t>
             </a:r>
           </a:p>
         </p:txBody>
@@ -3628,7 +3795,7 @@
           <p:cNvPr id="3" name="コンテンツ プレースホルダー 2">
             <a:extLst>
               <a:ext uri="{FF2B5EF4-FFF2-40B4-BE49-F238E27FC236}">
-                <a16:creationId xmlns:a16="http://schemas.microsoft.com/office/drawing/2014/main" id="{8646F825-F86F-F143-839A-3B93960113C4}"/>
+                <a16:creationId xmlns:a16="http://schemas.microsoft.com/office/drawing/2014/main" id="{1D9CCF7A-17CF-1D43-8D32-B51F5D0E63FA}"/>
               </a:ext>
             </a:extLst>
           </p:cNvPr>
@@ -3648,29 +3815,54 @@
               <a:buNone/>
             </a:pPr>
             <a:r>
-              <a:rPr lang="ja-JP" altLang="en-US"/>
+              <a:rPr kumimoji="1" lang="ja-JP" altLang="en-US"/>
               <a:t>魚本ら</a:t>
             </a:r>
             <a:r>
+              <a:rPr kumimoji="1" lang="en-US" altLang="ja-JP" dirty="0"/>
+              <a:t>(2018)</a:t>
+            </a:r>
+          </a:p>
+          <a:p>
+            <a:pPr marL="0" indent="0">
+              <a:buNone/>
+            </a:pPr>
+            <a:r>
+              <a:rPr kumimoji="1" lang="en-US" altLang="ja-JP" dirty="0"/>
+              <a:t>  Moodle</a:t>
+            </a:r>
+            <a:r>
+              <a:rPr kumimoji="1" lang="ja-JP" altLang="en-US"/>
+              <a:t>のプラグインとしてネットワーク自己学習機能の導入</a:t>
+            </a:r>
+            <a:endParaRPr kumimoji="1" lang="en-US" altLang="ja-JP" dirty="0"/>
+          </a:p>
+          <a:p>
+            <a:pPr marL="0" indent="0">
+              <a:buNone/>
+            </a:pPr>
+            <a:r>
               <a:rPr lang="en-US" altLang="ja-JP" dirty="0"/>
-              <a:t>(2018)</a:t>
-            </a:r>
-            <a:r>
-              <a:rPr lang="ja-JP" altLang="en-US"/>
-              <a:t>の研究では</a:t>
-            </a:r>
-            <a:r>
-              <a:rPr kumimoji="1" lang="ja-JP" altLang="en-US"/>
-              <a:t>特定の</a:t>
-            </a:r>
-            <a:r>
-              <a:rPr kumimoji="1" lang="en-US" altLang="ja-JP" dirty="0"/>
-              <a:t>LMS</a:t>
-            </a:r>
-            <a:r>
-              <a:rPr lang="ja-JP" altLang="en-US"/>
-              <a:t>のプラグインとして動作していた</a:t>
-            </a:r>
+              <a:t>	</a:t>
+            </a:r>
+            <a:r>
+              <a:rPr lang="ja-JP" altLang="en-US"/>
+              <a:t>ー独自のシミュレータを制作し、</a:t>
+            </a:r>
+            <a:r>
+              <a:rPr lang="en-US" altLang="ja-JP" dirty="0"/>
+              <a:t>Moodle</a:t>
+            </a:r>
+            <a:r>
+              <a:rPr lang="ja-JP" altLang="en-US"/>
+              <a:t>側で評価を行う</a:t>
+            </a:r>
+            <a:endParaRPr lang="en-US" altLang="ja-JP" dirty="0"/>
+          </a:p>
+          <a:p>
+            <a:pPr marL="0" indent="0">
+              <a:buNone/>
+            </a:pPr>
             <a:endParaRPr kumimoji="1" lang="en-US" altLang="ja-JP" dirty="0"/>
           </a:p>
           <a:p>
@@ -3683,150 +3875,14 @@
             <a:pPr marL="0" indent="0">
               <a:buNone/>
             </a:pPr>
-            <a:endParaRPr kumimoji="1" lang="en-US" altLang="ja-JP" dirty="0"/>
-          </a:p>
-          <a:p>
-            <a:pPr marL="0" indent="0">
-              <a:buNone/>
-            </a:pPr>
-            <a:r>
-              <a:rPr kumimoji="1" lang="ja-JP" altLang="en-US"/>
-              <a:t>決められた</a:t>
-            </a:r>
             <a:r>
               <a:rPr kumimoji="1" lang="en-US" altLang="ja-JP" dirty="0"/>
-              <a:t>LMS</a:t>
-            </a:r>
-            <a:r>
-              <a:rPr kumimoji="1" lang="ja-JP" altLang="en-US"/>
-              <a:t>でしか動作せず、逐一インストールが必要</a:t>
-            </a:r>
-            <a:endParaRPr kumimoji="1" lang="en-US" altLang="ja-JP" dirty="0"/>
-          </a:p>
-          <a:p>
-            <a:pPr marL="0" indent="0">
-              <a:buNone/>
-            </a:pPr>
-            <a:endParaRPr lang="en-US" altLang="ja-JP" dirty="0"/>
-          </a:p>
-          <a:p>
-            <a:pPr marL="0" indent="0">
-              <a:buNone/>
-            </a:pPr>
-            <a:endParaRPr kumimoji="1" lang="en-US" altLang="ja-JP" dirty="0"/>
-          </a:p>
-          <a:p>
-            <a:pPr marL="0" indent="0">
-              <a:buNone/>
-            </a:pPr>
-            <a:r>
-              <a:rPr kumimoji="1" lang="ja-JP" altLang="en-US"/>
-              <a:t>独立したネットワーク自己学習機能と複数の</a:t>
-            </a:r>
-            <a:r>
-              <a:rPr kumimoji="1" lang="en-US" altLang="ja-JP" dirty="0"/>
-              <a:t>LMS</a:t>
-            </a:r>
-            <a:r>
-              <a:rPr kumimoji="1" lang="ja-JP" altLang="en-US"/>
-              <a:t>と</a:t>
-            </a:r>
-            <a:r>
-              <a:rPr lang="ja-JP" altLang="en-US"/>
-              <a:t>の連携</a:t>
-            </a:r>
-            <a:endParaRPr lang="en-US" altLang="ja-JP" dirty="0"/>
-          </a:p>
-        </p:txBody>
-      </p:sp>
-      <p:sp>
-        <p:nvSpPr>
-          <p:cNvPr id="4" name="下矢印 3">
-            <a:extLst>
-              <a:ext uri="{FF2B5EF4-FFF2-40B4-BE49-F238E27FC236}">
-                <a16:creationId xmlns:a16="http://schemas.microsoft.com/office/drawing/2014/main" id="{E35634B1-C45C-3545-BEEF-E003FD00C9A7}"/>
-              </a:ext>
-            </a:extLst>
-          </p:cNvPr>
-          <p:cNvSpPr/>
-          <p:nvPr/>
-        </p:nvSpPr>
-        <p:spPr>
-          <a:xfrm>
-            <a:off x="3858768" y="1955998"/>
-            <a:ext cx="484632" cy="681321"/>
-          </a:xfrm>
-          <a:prstGeom prst="downArrow">
-            <a:avLst/>
-          </a:prstGeom>
-        </p:spPr>
-        <p:style>
-          <a:lnRef idx="2">
-            <a:schemeClr val="accent1">
-              <a:shade val="50000"/>
-            </a:schemeClr>
-          </a:lnRef>
-          <a:fillRef idx="1">
-            <a:schemeClr val="accent1"/>
-          </a:fillRef>
-          <a:effectRef idx="0">
-            <a:schemeClr val="accent1"/>
-          </a:effectRef>
-          <a:fontRef idx="minor">
-            <a:schemeClr val="lt1"/>
-          </a:fontRef>
-        </p:style>
-        <p:txBody>
-          <a:bodyPr rtlCol="0" anchor="ctr"/>
-          <a:lstStyle/>
-          <a:p>
-            <a:pPr algn="ctr"/>
-            <a:endParaRPr kumimoji="1" lang="ja-JP" altLang="en-US"/>
-          </a:p>
-        </p:txBody>
-      </p:sp>
-      <p:sp>
-        <p:nvSpPr>
-          <p:cNvPr id="5" name="下矢印 4">
-            <a:extLst>
-              <a:ext uri="{FF2B5EF4-FFF2-40B4-BE49-F238E27FC236}">
-                <a16:creationId xmlns:a16="http://schemas.microsoft.com/office/drawing/2014/main" id="{D54F92FE-47F1-B94A-BC14-0088CA572C95}"/>
-              </a:ext>
-            </a:extLst>
-          </p:cNvPr>
-          <p:cNvSpPr/>
-          <p:nvPr/>
-        </p:nvSpPr>
-        <p:spPr>
-          <a:xfrm>
-            <a:off x="3858768" y="3224097"/>
-            <a:ext cx="484632" cy="621792"/>
-          </a:xfrm>
-          <a:prstGeom prst="downArrow">
-            <a:avLst/>
-          </a:prstGeom>
-        </p:spPr>
-        <p:style>
-          <a:lnRef idx="2">
-            <a:schemeClr val="accent1">
-              <a:shade val="50000"/>
-            </a:schemeClr>
-          </a:lnRef>
-          <a:fillRef idx="1">
-            <a:schemeClr val="accent1"/>
-          </a:fillRef>
-          <a:effectRef idx="0">
-            <a:schemeClr val="accent1"/>
-          </a:effectRef>
-          <a:fontRef idx="minor">
-            <a:schemeClr val="lt1"/>
-          </a:fontRef>
-        </p:style>
-        <p:txBody>
-          <a:bodyPr rtlCol="0" anchor="ctr"/>
-          <a:lstStyle/>
-          <a:p>
-            <a:pPr algn="ctr"/>
+              <a:t>Moodle</a:t>
+            </a:r>
+            <a:r>
+              <a:rPr lang="ja-JP" altLang="en-US"/>
+              <a:t>でのみ動作し、逐一インストールが必要</a:t>
+            </a:r>
             <a:endParaRPr kumimoji="1" lang="ja-JP" altLang="en-US"/>
           </a:p>
         </p:txBody>
@@ -3834,7 +3890,7 @@
     </p:spTree>
     <p:extLst>
       <p:ext uri="{BB962C8B-B14F-4D97-AF65-F5344CB8AC3E}">
-        <p14:creationId xmlns:p14="http://schemas.microsoft.com/office/powerpoint/2010/main" val="1771476907"/>
+        <p14:creationId xmlns:p14="http://schemas.microsoft.com/office/powerpoint/2010/main" val="847429685"/>
       </p:ext>
     </p:extLst>
   </p:cSld>
@@ -3866,7 +3922,7 @@
           <p:cNvPr id="2" name="タイトル 1">
             <a:extLst>
               <a:ext uri="{FF2B5EF4-FFF2-40B4-BE49-F238E27FC236}">
-                <a16:creationId xmlns:a16="http://schemas.microsoft.com/office/drawing/2014/main" id="{221D19CA-40CC-0B43-89E5-855F90037A13}"/>
+                <a16:creationId xmlns:a16="http://schemas.microsoft.com/office/drawing/2014/main" id="{2322C134-9F23-A948-8BC5-956C9EC695A2}"/>
               </a:ext>
             </a:extLst>
           </p:cNvPr>
@@ -3884,7 +3940,7 @@
           <a:p>
             <a:r>
               <a:rPr kumimoji="1" lang="ja-JP" altLang="en-US"/>
-              <a:t>研究目的</a:t>
+              <a:t>研究背景</a:t>
             </a:r>
           </a:p>
         </p:txBody>
@@ -3894,7 +3950,7 @@
           <p:cNvPr id="3" name="コンテンツ プレースホルダー 2">
             <a:extLst>
               <a:ext uri="{FF2B5EF4-FFF2-40B4-BE49-F238E27FC236}">
-                <a16:creationId xmlns:a16="http://schemas.microsoft.com/office/drawing/2014/main" id="{755D7B23-96F6-CE41-A1DA-6CFAA456DEDD}"/>
+                <a16:creationId xmlns:a16="http://schemas.microsoft.com/office/drawing/2014/main" id="{8646F825-F86F-F143-839A-3B93960113C4}"/>
               </a:ext>
             </a:extLst>
           </p:cNvPr>
@@ -3907,22 +3963,59 @@
         </p:nvSpPr>
         <p:spPr/>
         <p:txBody>
-          <a:bodyPr/>
-          <a:lstStyle/>
-          <a:p>
-            <a:r>
-              <a:rPr kumimoji="1" lang="ja-JP" altLang="en-US"/>
-              <a:t>独立したネットワークシミュレータ</a:t>
-            </a:r>
-            <a:endParaRPr kumimoji="1" lang="en-US" altLang="ja-JP" dirty="0"/>
-          </a:p>
-          <a:p>
+          <a:bodyPr>
+            <a:normAutofit fontScale="92500"/>
+          </a:bodyPr>
+          <a:lstStyle/>
+          <a:p>
+            <a:pPr marL="0" indent="0">
+              <a:buNone/>
+            </a:pPr>
+            <a:r>
+              <a:rPr lang="ja-JP" altLang="en-US"/>
+              <a:t>既存研究でのネットワーク自己学習機能では</a:t>
+            </a:r>
             <a:endParaRPr lang="en-US" altLang="ja-JP" dirty="0"/>
           </a:p>
           <a:p>
-            <a:r>
-              <a:rPr lang="ja-JP" altLang="en-US"/>
-              <a:t>各</a:t>
+            <a:pPr marL="0" indent="0">
+              <a:buNone/>
+            </a:pPr>
+            <a:r>
+              <a:rPr lang="en-US" altLang="ja-JP" dirty="0"/>
+              <a:t>	</a:t>
+            </a:r>
+            <a:r>
+              <a:rPr lang="ja-JP" altLang="en-US"/>
+              <a:t>単体として機能</a:t>
+            </a:r>
+            <a:endParaRPr lang="en-US" altLang="ja-JP" dirty="0"/>
+          </a:p>
+          <a:p>
+            <a:pPr marL="0" indent="0">
+              <a:buNone/>
+            </a:pPr>
+            <a:r>
+              <a:rPr lang="en-US" altLang="ja-JP" dirty="0"/>
+              <a:t>		</a:t>
+            </a:r>
+            <a:r>
+              <a:rPr lang="ja-JP" altLang="en-US"/>
+              <a:t>ー学習後の評価を手動で行う必要がある</a:t>
+            </a:r>
+            <a:endParaRPr lang="en-US" altLang="ja-JP" dirty="0"/>
+          </a:p>
+          <a:p>
+            <a:pPr marL="0" indent="0">
+              <a:buNone/>
+            </a:pPr>
+            <a:r>
+              <a:rPr lang="en-US" altLang="ja-JP" dirty="0"/>
+              <a:t>	</a:t>
+            </a:r>
+            <a:r>
+              <a:rPr lang="ja-JP" altLang="en-US"/>
+              <a:t>特定の</a:t>
             </a:r>
             <a:r>
               <a:rPr lang="en-US" altLang="ja-JP" dirty="0"/>
@@ -3930,40 +4023,116 @@
             </a:r>
             <a:r>
               <a:rPr lang="ja-JP" altLang="en-US"/>
-              <a:t>での起動</a:t>
+              <a:t>のプラグインとして動作</a:t>
             </a:r>
             <a:endParaRPr lang="en-US" altLang="ja-JP" dirty="0"/>
           </a:p>
           <a:p>
-            <a:pPr lvl="1"/>
+            <a:pPr marL="0" indent="0">
+              <a:buNone/>
+            </a:pPr>
             <a:r>
               <a:rPr lang="en-US" altLang="ja-JP" dirty="0"/>
-              <a:t>LTI</a:t>
-            </a:r>
-            <a:r>
-              <a:rPr lang="ja-JP" altLang="en-US"/>
-              <a:t>の利用</a:t>
+              <a:t>		</a:t>
+            </a:r>
+            <a:r>
+              <a:rPr lang="ja-JP" altLang="en-US"/>
+              <a:t>ー決められた</a:t>
+            </a:r>
+            <a:r>
+              <a:rPr lang="en-US" altLang="ja-JP" dirty="0"/>
+              <a:t>LMS</a:t>
+            </a:r>
+            <a:r>
+              <a:rPr lang="ja-JP" altLang="en-US"/>
+              <a:t>でのみ動作し、逐一インストールが必要</a:t>
             </a:r>
             <a:endParaRPr lang="en-US" altLang="ja-JP" dirty="0"/>
           </a:p>
           <a:p>
+            <a:pPr marL="0" indent="0">
+              <a:buNone/>
+            </a:pPr>
+            <a:endParaRPr kumimoji="1" lang="en-US" altLang="ja-JP" dirty="0"/>
+          </a:p>
+          <a:p>
+            <a:pPr marL="0" indent="0">
+              <a:buNone/>
+            </a:pPr>
+            <a:endParaRPr kumimoji="1" lang="en-US" altLang="ja-JP" dirty="0"/>
+          </a:p>
+          <a:p>
+            <a:pPr marL="0" indent="0">
+              <a:buNone/>
+            </a:pPr>
+            <a:endParaRPr kumimoji="1" lang="en-US" altLang="ja-JP" dirty="0"/>
+          </a:p>
+          <a:p>
+            <a:pPr marL="0" indent="0" algn="ctr">
+              <a:buNone/>
+            </a:pPr>
+            <a:r>
+              <a:rPr kumimoji="1" lang="ja-JP" altLang="en-US"/>
+              <a:t>独立したネットワーク自己学習機能と複数の</a:t>
+            </a:r>
+            <a:r>
+              <a:rPr kumimoji="1" lang="en-US" altLang="ja-JP" dirty="0"/>
+              <a:t>LMS</a:t>
+            </a:r>
+            <a:r>
+              <a:rPr kumimoji="1" lang="ja-JP" altLang="en-US"/>
+              <a:t>と</a:t>
+            </a:r>
+            <a:r>
+              <a:rPr lang="ja-JP" altLang="en-US"/>
+              <a:t>の連携</a:t>
+            </a:r>
             <a:endParaRPr lang="en-US" altLang="ja-JP" dirty="0"/>
           </a:p>
-          <a:p>
-            <a:r>
-              <a:rPr lang="ja-JP" altLang="en-US"/>
-              <a:t>システムの一体化</a:t>
-            </a:r>
-            <a:endParaRPr lang="en-US" altLang="ja-JP" dirty="0"/>
-          </a:p>
-          <a:p>
-            <a:pPr lvl="1"/>
-            <a:endParaRPr lang="en-US" altLang="ja-JP" dirty="0"/>
-          </a:p>
-          <a:p>
-            <a:endParaRPr kumimoji="1" lang="en-US" altLang="ja-JP" dirty="0"/>
-          </a:p>
-          <a:p>
+        </p:txBody>
+      </p:sp>
+      <p:sp>
+        <p:nvSpPr>
+          <p:cNvPr id="5" name="下矢印 4">
+            <a:extLst>
+              <a:ext uri="{FF2B5EF4-FFF2-40B4-BE49-F238E27FC236}">
+                <a16:creationId xmlns:a16="http://schemas.microsoft.com/office/drawing/2014/main" id="{D54F92FE-47F1-B94A-BC14-0088CA572C95}"/>
+              </a:ext>
+            </a:extLst>
+          </p:cNvPr>
+          <p:cNvSpPr/>
+          <p:nvPr/>
+        </p:nvSpPr>
+        <p:spPr>
+          <a:xfrm>
+            <a:off x="4087368" y="3283316"/>
+            <a:ext cx="484632" cy="621792"/>
+          </a:xfrm>
+          <a:prstGeom prst="downArrow">
+            <a:avLst/>
+          </a:prstGeom>
+        </p:spPr>
+        <p:style>
+          <a:lnRef idx="2">
+            <a:schemeClr val="accent1">
+              <a:shade val="50000"/>
+            </a:schemeClr>
+          </a:lnRef>
+          <a:fillRef idx="1">
+            <a:schemeClr val="accent1"/>
+          </a:fillRef>
+          <a:effectRef idx="0">
+            <a:schemeClr val="accent1"/>
+          </a:effectRef>
+          <a:fontRef idx="minor">
+            <a:schemeClr val="lt1"/>
+          </a:fontRef>
+        </p:style>
+        <p:txBody>
+          <a:bodyPr rtlCol="0" anchor="ctr"/>
+          <a:lstStyle/>
+          <a:p>
+            <a:pPr algn="ctr"/>
             <a:endParaRPr kumimoji="1" lang="ja-JP" altLang="en-US"/>
           </a:p>
         </p:txBody>
@@ -3971,7 +4140,7 @@
     </p:spTree>
     <p:extLst>
       <p:ext uri="{BB962C8B-B14F-4D97-AF65-F5344CB8AC3E}">
-        <p14:creationId xmlns:p14="http://schemas.microsoft.com/office/powerpoint/2010/main" val="1667300103"/>
+        <p14:creationId xmlns:p14="http://schemas.microsoft.com/office/powerpoint/2010/main" val="1771476907"/>
       </p:ext>
     </p:extLst>
   </p:cSld>
@@ -4003,7 +4172,7 @@
           <p:cNvPr id="2" name="タイトル 1">
             <a:extLst>
               <a:ext uri="{FF2B5EF4-FFF2-40B4-BE49-F238E27FC236}">
-                <a16:creationId xmlns:a16="http://schemas.microsoft.com/office/drawing/2014/main" id="{703B9E54-DB49-E54B-91D0-0E88F874D18B}"/>
+                <a16:creationId xmlns:a16="http://schemas.microsoft.com/office/drawing/2014/main" id="{221D19CA-40CC-0B43-89E5-855F90037A13}"/>
               </a:ext>
             </a:extLst>
           </p:cNvPr>
@@ -4014,16 +4183,20 @@
             <p:ph type="title"/>
           </p:nvPr>
         </p:nvSpPr>
-        <p:spPr/>
-        <p:txBody>
-          <a:bodyPr/>
-          <a:lstStyle/>
-          <a:p>
-            <a:r>
-              <a:rPr kumimoji="1" lang="en-US" altLang="ja-JP" dirty="0"/>
-              <a:t>LTI</a:t>
-            </a:r>
-            <a:endParaRPr kumimoji="1" lang="ja-JP" altLang="en-US"/>
+        <p:spPr>
+          <a:xfrm>
+            <a:off x="628650" y="262958"/>
+            <a:ext cx="7886700" cy="994172"/>
+          </a:xfrm>
+        </p:spPr>
+        <p:txBody>
+          <a:bodyPr/>
+          <a:lstStyle/>
+          <a:p>
+            <a:r>
+              <a:rPr kumimoji="1" lang="ja-JP" altLang="en-US"/>
+              <a:t>研究目的</a:t>
+            </a:r>
           </a:p>
         </p:txBody>
       </p:sp>
@@ -4032,7 +4205,7 @@
           <p:cNvPr id="3" name="コンテンツ プレースホルダー 2">
             <a:extLst>
               <a:ext uri="{FF2B5EF4-FFF2-40B4-BE49-F238E27FC236}">
-                <a16:creationId xmlns:a16="http://schemas.microsoft.com/office/drawing/2014/main" id="{63C93DC4-F643-2544-A330-5785C7743421}"/>
+                <a16:creationId xmlns:a16="http://schemas.microsoft.com/office/drawing/2014/main" id="{755D7B23-96F6-CE41-A1DA-6CFAA456DEDD}"/>
               </a:ext>
             </a:extLst>
           </p:cNvPr>
@@ -4048,6 +4221,60 @@
           <a:bodyPr/>
           <a:lstStyle/>
           <a:p>
+            <a:r>
+              <a:rPr kumimoji="1" lang="ja-JP" altLang="en-US"/>
+              <a:t>独立したネットワークシミュレータ</a:t>
+            </a:r>
+            <a:endParaRPr kumimoji="1" lang="en-US" altLang="ja-JP" dirty="0"/>
+          </a:p>
+          <a:p>
+            <a:endParaRPr lang="en-US" altLang="ja-JP" dirty="0"/>
+          </a:p>
+          <a:p>
+            <a:r>
+              <a:rPr lang="ja-JP" altLang="en-US"/>
+              <a:t>各</a:t>
+            </a:r>
+            <a:r>
+              <a:rPr lang="en-US" altLang="ja-JP" dirty="0"/>
+              <a:t>LMS</a:t>
+            </a:r>
+            <a:r>
+              <a:rPr lang="ja-JP" altLang="en-US"/>
+              <a:t>での起動</a:t>
+            </a:r>
+            <a:endParaRPr lang="en-US" altLang="ja-JP" dirty="0"/>
+          </a:p>
+          <a:p>
+            <a:pPr lvl="1"/>
+            <a:r>
+              <a:rPr lang="en-US" altLang="ja-JP" dirty="0"/>
+              <a:t>LTI</a:t>
+            </a:r>
+            <a:r>
+              <a:rPr lang="ja-JP" altLang="en-US"/>
+              <a:t>の利用</a:t>
+            </a:r>
+            <a:endParaRPr lang="en-US" altLang="ja-JP" dirty="0"/>
+          </a:p>
+          <a:p>
+            <a:endParaRPr lang="en-US" altLang="ja-JP" dirty="0"/>
+          </a:p>
+          <a:p>
+            <a:r>
+              <a:rPr lang="ja-JP" altLang="en-US"/>
+              <a:t>システムの一体化</a:t>
+            </a:r>
+            <a:endParaRPr lang="en-US" altLang="ja-JP" dirty="0"/>
+          </a:p>
+          <a:p>
+            <a:pPr lvl="1"/>
+            <a:endParaRPr lang="en-US" altLang="ja-JP" dirty="0"/>
+          </a:p>
+          <a:p>
+            <a:endParaRPr kumimoji="1" lang="en-US" altLang="ja-JP" dirty="0"/>
+          </a:p>
+          <a:p>
             <a:endParaRPr kumimoji="1" lang="ja-JP" altLang="en-US"/>
           </a:p>
         </p:txBody>
@@ -4055,7 +4282,7 @@
     </p:spTree>
     <p:extLst>
       <p:ext uri="{BB962C8B-B14F-4D97-AF65-F5344CB8AC3E}">
-        <p14:creationId xmlns:p14="http://schemas.microsoft.com/office/powerpoint/2010/main" val="1949194137"/>
+        <p14:creationId xmlns:p14="http://schemas.microsoft.com/office/powerpoint/2010/main" val="1667300103"/>
       </p:ext>
     </p:extLst>
   </p:cSld>
@@ -4087,7 +4314,7 @@
           <p:cNvPr id="2" name="タイトル 1">
             <a:extLst>
               <a:ext uri="{FF2B5EF4-FFF2-40B4-BE49-F238E27FC236}">
-                <a16:creationId xmlns:a16="http://schemas.microsoft.com/office/drawing/2014/main" id="{80DBE4F9-E233-394A-BA5A-BC2588DB79BC}"/>
+                <a16:creationId xmlns:a16="http://schemas.microsoft.com/office/drawing/2014/main" id="{703B9E54-DB49-E54B-91D0-0E88F874D18B}"/>
               </a:ext>
             </a:extLst>
           </p:cNvPr>
@@ -4104,9 +4331,10 @@
           <a:lstStyle/>
           <a:p>
             <a:r>
-              <a:rPr kumimoji="1" lang="ja-JP" altLang="en-US"/>
-              <a:t>システム</a:t>
-            </a:r>
+              <a:rPr kumimoji="1" lang="en-US" altLang="ja-JP" dirty="0"/>
+              <a:t>LTI</a:t>
+            </a:r>
+            <a:endParaRPr kumimoji="1" lang="ja-JP" altLang="en-US"/>
           </a:p>
         </p:txBody>
       </p:sp>
@@ -4115,7 +4343,7 @@
           <p:cNvPr id="3" name="コンテンツ プレースホルダー 2">
             <a:extLst>
               <a:ext uri="{FF2B5EF4-FFF2-40B4-BE49-F238E27FC236}">
-                <a16:creationId xmlns:a16="http://schemas.microsoft.com/office/drawing/2014/main" id="{0371DA01-F23D-354C-ADCE-908F46C9DD03}"/>
+                <a16:creationId xmlns:a16="http://schemas.microsoft.com/office/drawing/2014/main" id="{63C93DC4-F643-2544-A330-5785C7743421}"/>
               </a:ext>
             </a:extLst>
           </p:cNvPr>
@@ -4138,7 +4366,7 @@
     </p:spTree>
     <p:extLst>
       <p:ext uri="{BB962C8B-B14F-4D97-AF65-F5344CB8AC3E}">
-        <p14:creationId xmlns:p14="http://schemas.microsoft.com/office/powerpoint/2010/main" val="2388633898"/>
+        <p14:creationId xmlns:p14="http://schemas.microsoft.com/office/powerpoint/2010/main" val="1949194137"/>
       </p:ext>
     </p:extLst>
   </p:cSld>
@@ -4170,7 +4398,7 @@
           <p:cNvPr id="2" name="タイトル 1">
             <a:extLst>
               <a:ext uri="{FF2B5EF4-FFF2-40B4-BE49-F238E27FC236}">
-                <a16:creationId xmlns:a16="http://schemas.microsoft.com/office/drawing/2014/main" id="{A7E07DC4-64D1-054F-A040-A3860652E9D8}"/>
+                <a16:creationId xmlns:a16="http://schemas.microsoft.com/office/drawing/2014/main" id="{80DBE4F9-E233-394A-BA5A-BC2588DB79BC}"/>
               </a:ext>
             </a:extLst>
           </p:cNvPr>
@@ -4187,10 +4415,9 @@
           <a:lstStyle/>
           <a:p>
             <a:r>
-              <a:rPr lang="ja-JP" altLang="en-US"/>
-              <a:t>まとめ</a:t>
-            </a:r>
-            <a:endParaRPr kumimoji="1" lang="ja-JP" altLang="en-US"/>
+              <a:rPr kumimoji="1" lang="ja-JP" altLang="en-US"/>
+              <a:t>システム</a:t>
+            </a:r>
           </a:p>
         </p:txBody>
       </p:sp>
@@ -4199,7 +4426,7 @@
           <p:cNvPr id="3" name="コンテンツ プレースホルダー 2">
             <a:extLst>
               <a:ext uri="{FF2B5EF4-FFF2-40B4-BE49-F238E27FC236}">
-                <a16:creationId xmlns:a16="http://schemas.microsoft.com/office/drawing/2014/main" id="{B5784928-8E1D-5847-8756-7BDD7169986A}"/>
+                <a16:creationId xmlns:a16="http://schemas.microsoft.com/office/drawing/2014/main" id="{0371DA01-F23D-354C-ADCE-908F46C9DD03}"/>
               </a:ext>
             </a:extLst>
           </p:cNvPr>
@@ -4222,7 +4449,7 @@
     </p:spTree>
     <p:extLst>
       <p:ext uri="{BB962C8B-B14F-4D97-AF65-F5344CB8AC3E}">
-        <p14:creationId xmlns:p14="http://schemas.microsoft.com/office/powerpoint/2010/main" val="153899901"/>
+        <p14:creationId xmlns:p14="http://schemas.microsoft.com/office/powerpoint/2010/main" val="2388633898"/>
       </p:ext>
     </p:extLst>
   </p:cSld>
@@ -4254,7 +4481,7 @@
           <p:cNvPr id="2" name="タイトル 1">
             <a:extLst>
               <a:ext uri="{FF2B5EF4-FFF2-40B4-BE49-F238E27FC236}">
-                <a16:creationId xmlns:a16="http://schemas.microsoft.com/office/drawing/2014/main" id="{727964B9-F841-CE4A-9464-9A3EBC6C2DD7}"/>
+                <a16:creationId xmlns:a16="http://schemas.microsoft.com/office/drawing/2014/main" id="{A7E07DC4-64D1-054F-A040-A3860652E9D8}"/>
               </a:ext>
             </a:extLst>
           </p:cNvPr>
@@ -4271,9 +4498,10 @@
           <a:lstStyle/>
           <a:p>
             <a:r>
-              <a:rPr kumimoji="1" lang="ja-JP" altLang="en-US"/>
-              <a:t>課題</a:t>
-            </a:r>
+              <a:rPr lang="ja-JP" altLang="en-US"/>
+              <a:t>まとめ</a:t>
+            </a:r>
+            <a:endParaRPr kumimoji="1" lang="ja-JP" altLang="en-US"/>
           </a:p>
         </p:txBody>
       </p:sp>
@@ -4282,7 +4510,7 @@
           <p:cNvPr id="3" name="コンテンツ プレースホルダー 2">
             <a:extLst>
               <a:ext uri="{FF2B5EF4-FFF2-40B4-BE49-F238E27FC236}">
-                <a16:creationId xmlns:a16="http://schemas.microsoft.com/office/drawing/2014/main" id="{D17C71C4-D57D-4949-95C6-A7398BD521B9}"/>
+                <a16:creationId xmlns:a16="http://schemas.microsoft.com/office/drawing/2014/main" id="{B5784928-8E1D-5847-8756-7BDD7169986A}"/>
               </a:ext>
             </a:extLst>
           </p:cNvPr>
@@ -4305,7 +4533,7 @@
     </p:spTree>
     <p:extLst>
       <p:ext uri="{BB962C8B-B14F-4D97-AF65-F5344CB8AC3E}">
-        <p14:creationId xmlns:p14="http://schemas.microsoft.com/office/powerpoint/2010/main" val="2577130232"/>
+        <p14:creationId xmlns:p14="http://schemas.microsoft.com/office/powerpoint/2010/main" val="153899901"/>
       </p:ext>
     </p:extLst>
   </p:cSld>
